--- a/Saga-Pattern.pptx
+++ b/Saga-Pattern.pptx
@@ -259,7 +259,7 @@
           <a:p>
             <a:fld id="{6E7A19F0-8A0D-4F14-982E-E1B49E260DD9}" type="datetimeFigureOut">
               <a:rPr lang="en-US" smtClean="0"/>
-              <a:t>28-Oct-24</a:t>
+              <a:t>08-Nov-24</a:t>
             </a:fld>
             <a:endParaRPr lang="en-US"/>
           </a:p>
@@ -1271,7 +1271,7 @@
           <a:p>
             <a:fld id="{717F27ED-70DC-44BC-977E-A1B9AF8F6949}" type="datetimeFigureOut">
               <a:rPr lang="en-US" smtClean="0"/>
-              <a:t>28-Oct-24</a:t>
+              <a:t>08-Nov-24</a:t>
             </a:fld>
             <a:endParaRPr lang="en-US"/>
           </a:p>
@@ -1522,7 +1522,7 @@
           <a:p>
             <a:fld id="{717F27ED-70DC-44BC-977E-A1B9AF8F6949}" type="datetimeFigureOut">
               <a:rPr lang="en-US" smtClean="0"/>
-              <a:t>28-Oct-24</a:t>
+              <a:t>08-Nov-24</a:t>
             </a:fld>
             <a:endParaRPr lang="en-US"/>
           </a:p>
@@ -1836,7 +1836,7 @@
           <a:p>
             <a:fld id="{717F27ED-70DC-44BC-977E-A1B9AF8F6949}" type="datetimeFigureOut">
               <a:rPr lang="en-US" smtClean="0"/>
-              <a:t>28-Oct-24</a:t>
+              <a:t>08-Nov-24</a:t>
             </a:fld>
             <a:endParaRPr lang="en-US"/>
           </a:p>
@@ -2169,7 +2169,7 @@
           <a:p>
             <a:fld id="{717F27ED-70DC-44BC-977E-A1B9AF8F6949}" type="datetimeFigureOut">
               <a:rPr lang="en-US" smtClean="0"/>
-              <a:t>28-Oct-24</a:t>
+              <a:t>08-Nov-24</a:t>
             </a:fld>
             <a:endParaRPr lang="en-US"/>
           </a:p>
@@ -2483,7 +2483,7 @@
           <a:p>
             <a:fld id="{717F27ED-70DC-44BC-977E-A1B9AF8F6949}" type="datetimeFigureOut">
               <a:rPr lang="en-US" smtClean="0"/>
-              <a:t>28-Oct-24</a:t>
+              <a:t>08-Nov-24</a:t>
             </a:fld>
             <a:endParaRPr lang="en-US"/>
           </a:p>
@@ -2876,7 +2876,7 @@
           <a:p>
             <a:fld id="{717F27ED-70DC-44BC-977E-A1B9AF8F6949}" type="datetimeFigureOut">
               <a:rPr lang="en-US" smtClean="0"/>
-              <a:t>28-Oct-24</a:t>
+              <a:t>08-Nov-24</a:t>
             </a:fld>
             <a:endParaRPr lang="en-US"/>
           </a:p>
@@ -3046,7 +3046,7 @@
           <a:p>
             <a:fld id="{717F27ED-70DC-44BC-977E-A1B9AF8F6949}" type="datetimeFigureOut">
               <a:rPr lang="en-US" smtClean="0"/>
-              <a:t>28-Oct-24</a:t>
+              <a:t>08-Nov-24</a:t>
             </a:fld>
             <a:endParaRPr lang="en-US"/>
           </a:p>
@@ -3226,7 +3226,7 @@
           <a:p>
             <a:fld id="{717F27ED-70DC-44BC-977E-A1B9AF8F6949}" type="datetimeFigureOut">
               <a:rPr lang="en-US" smtClean="0"/>
-              <a:t>28-Oct-24</a:t>
+              <a:t>08-Nov-24</a:t>
             </a:fld>
             <a:endParaRPr lang="en-US"/>
           </a:p>
@@ -3638,7 +3638,7 @@
           <a:p>
             <a:fld id="{717F27ED-70DC-44BC-977E-A1B9AF8F6949}" type="datetimeFigureOut">
               <a:rPr lang="en-US" smtClean="0"/>
-              <a:t>28-Oct-24</a:t>
+              <a:t>08-Nov-24</a:t>
             </a:fld>
             <a:endParaRPr lang="en-US"/>
           </a:p>
@@ -3885,7 +3885,7 @@
           <a:p>
             <a:fld id="{717F27ED-70DC-44BC-977E-A1B9AF8F6949}" type="datetimeFigureOut">
               <a:rPr lang="en-US" smtClean="0"/>
-              <a:t>28-Oct-24</a:t>
+              <a:t>08-Nov-24</a:t>
             </a:fld>
             <a:endParaRPr lang="en-US"/>
           </a:p>
@@ -4117,7 +4117,7 @@
           <a:p>
             <a:fld id="{717F27ED-70DC-44BC-977E-A1B9AF8F6949}" type="datetimeFigureOut">
               <a:rPr lang="en-US" smtClean="0"/>
-              <a:t>28-Oct-24</a:t>
+              <a:t>08-Nov-24</a:t>
             </a:fld>
             <a:endParaRPr lang="en-US"/>
           </a:p>
@@ -4491,7 +4491,7 @@
           <a:p>
             <a:fld id="{717F27ED-70DC-44BC-977E-A1B9AF8F6949}" type="datetimeFigureOut">
               <a:rPr lang="en-US" smtClean="0"/>
-              <a:t>28-Oct-24</a:t>
+              <a:t>08-Nov-24</a:t>
             </a:fld>
             <a:endParaRPr lang="en-US"/>
           </a:p>
@@ -4614,7 +4614,7 @@
           <a:p>
             <a:fld id="{717F27ED-70DC-44BC-977E-A1B9AF8F6949}" type="datetimeFigureOut">
               <a:rPr lang="en-US" smtClean="0"/>
-              <a:t>28-Oct-24</a:t>
+              <a:t>08-Nov-24</a:t>
             </a:fld>
             <a:endParaRPr lang="en-US"/>
           </a:p>
@@ -4709,7 +4709,7 @@
           <a:p>
             <a:fld id="{717F27ED-70DC-44BC-977E-A1B9AF8F6949}" type="datetimeFigureOut">
               <a:rPr lang="en-US" smtClean="0"/>
-              <a:t>28-Oct-24</a:t>
+              <a:t>08-Nov-24</a:t>
             </a:fld>
             <a:endParaRPr lang="en-US"/>
           </a:p>
@@ -4964,7 +4964,7 @@
           <a:p>
             <a:fld id="{717F27ED-70DC-44BC-977E-A1B9AF8F6949}" type="datetimeFigureOut">
               <a:rPr lang="en-US" smtClean="0"/>
-              <a:t>28-Oct-24</a:t>
+              <a:t>08-Nov-24</a:t>
             </a:fld>
             <a:endParaRPr lang="en-US"/>
           </a:p>
@@ -5269,7 +5269,7 @@
           <a:p>
             <a:fld id="{717F27ED-70DC-44BC-977E-A1B9AF8F6949}" type="datetimeFigureOut">
               <a:rPr lang="en-US" smtClean="0"/>
-              <a:t>28-Oct-24</a:t>
+              <a:t>08-Nov-24</a:t>
             </a:fld>
             <a:endParaRPr lang="en-US"/>
           </a:p>
@@ -5971,7 +5971,7 @@
           <a:p>
             <a:fld id="{717F27ED-70DC-44BC-977E-A1B9AF8F6949}" type="datetimeFigureOut">
               <a:rPr lang="en-US" smtClean="0"/>
-              <a:t>28-Oct-24</a:t>
+              <a:t>08-Nov-24</a:t>
             </a:fld>
             <a:endParaRPr lang="en-US"/>
           </a:p>
@@ -6517,12 +6517,8 @@
           <a:lstStyle/>
           <a:p>
             <a:r>
-              <a:rPr lang="en-US" dirty="0" err="1"/>
-              <a:t>ikubINFO</a:t>
-            </a:r>
-            <a:r>
               <a:rPr lang="en-US" dirty="0"/>
-              <a:t> Agile Software Development Lifecycle by Amir Buzo</a:t>
+              <a:t>Agile Software Development Lifecycle by Amir Buzo</a:t>
             </a:r>
           </a:p>
         </p:txBody>
